--- a/Design/Documents/Project G Introduction.pptx
+++ b/Design/Documents/Project G Introduction.pptx
@@ -262,7 +262,7 @@
           <a:p>
             <a:fld id="{CF529B0C-524C-4158-9841-F66F36120868}" type="datetimeFigureOut">
               <a:rPr lang="ko-KR" altLang="en-US" smtClean="0"/>
-              <a:t>2015-03-10</a:t>
+              <a:t>2015-06-14</a:t>
             </a:fld>
             <a:endParaRPr lang="ko-KR" altLang="en-US"/>
           </a:p>
@@ -432,7 +432,7 @@
           <a:p>
             <a:fld id="{CF529B0C-524C-4158-9841-F66F36120868}" type="datetimeFigureOut">
               <a:rPr lang="ko-KR" altLang="en-US" smtClean="0"/>
-              <a:t>2015-03-10</a:t>
+              <a:t>2015-06-14</a:t>
             </a:fld>
             <a:endParaRPr lang="ko-KR" altLang="en-US"/>
           </a:p>
@@ -612,7 +612,7 @@
           <a:p>
             <a:fld id="{CF529B0C-524C-4158-9841-F66F36120868}" type="datetimeFigureOut">
               <a:rPr lang="ko-KR" altLang="en-US" smtClean="0"/>
-              <a:t>2015-03-10</a:t>
+              <a:t>2015-06-14</a:t>
             </a:fld>
             <a:endParaRPr lang="ko-KR" altLang="en-US"/>
           </a:p>
@@ -782,7 +782,7 @@
           <a:p>
             <a:fld id="{CF529B0C-524C-4158-9841-F66F36120868}" type="datetimeFigureOut">
               <a:rPr lang="ko-KR" altLang="en-US" smtClean="0"/>
-              <a:t>2015-03-10</a:t>
+              <a:t>2015-06-14</a:t>
             </a:fld>
             <a:endParaRPr lang="ko-KR" altLang="en-US"/>
           </a:p>
@@ -1028,7 +1028,7 @@
           <a:p>
             <a:fld id="{CF529B0C-524C-4158-9841-F66F36120868}" type="datetimeFigureOut">
               <a:rPr lang="ko-KR" altLang="en-US" smtClean="0"/>
-              <a:t>2015-03-10</a:t>
+              <a:t>2015-06-14</a:t>
             </a:fld>
             <a:endParaRPr lang="ko-KR" altLang="en-US"/>
           </a:p>
@@ -1260,7 +1260,7 @@
           <a:p>
             <a:fld id="{CF529B0C-524C-4158-9841-F66F36120868}" type="datetimeFigureOut">
               <a:rPr lang="ko-KR" altLang="en-US" smtClean="0"/>
-              <a:t>2015-03-10</a:t>
+              <a:t>2015-06-14</a:t>
             </a:fld>
             <a:endParaRPr lang="ko-KR" altLang="en-US"/>
           </a:p>
@@ -1627,7 +1627,7 @@
           <a:p>
             <a:fld id="{CF529B0C-524C-4158-9841-F66F36120868}" type="datetimeFigureOut">
               <a:rPr lang="ko-KR" altLang="en-US" smtClean="0"/>
-              <a:t>2015-03-10</a:t>
+              <a:t>2015-06-14</a:t>
             </a:fld>
             <a:endParaRPr lang="ko-KR" altLang="en-US"/>
           </a:p>
@@ -1745,7 +1745,7 @@
           <a:p>
             <a:fld id="{CF529B0C-524C-4158-9841-F66F36120868}" type="datetimeFigureOut">
               <a:rPr lang="ko-KR" altLang="en-US" smtClean="0"/>
-              <a:t>2015-03-10</a:t>
+              <a:t>2015-06-14</a:t>
             </a:fld>
             <a:endParaRPr lang="ko-KR" altLang="en-US"/>
           </a:p>
@@ -1840,7 +1840,7 @@
           <a:p>
             <a:fld id="{CF529B0C-524C-4158-9841-F66F36120868}" type="datetimeFigureOut">
               <a:rPr lang="ko-KR" altLang="en-US" smtClean="0"/>
-              <a:t>2015-03-10</a:t>
+              <a:t>2015-06-14</a:t>
             </a:fld>
             <a:endParaRPr lang="ko-KR" altLang="en-US"/>
           </a:p>
@@ -2117,7 +2117,7 @@
           <a:p>
             <a:fld id="{CF529B0C-524C-4158-9841-F66F36120868}" type="datetimeFigureOut">
               <a:rPr lang="ko-KR" altLang="en-US" smtClean="0"/>
-              <a:t>2015-03-10</a:t>
+              <a:t>2015-06-14</a:t>
             </a:fld>
             <a:endParaRPr lang="ko-KR" altLang="en-US"/>
           </a:p>
@@ -2370,7 +2370,7 @@
           <a:p>
             <a:fld id="{CF529B0C-524C-4158-9841-F66F36120868}" type="datetimeFigureOut">
               <a:rPr lang="ko-KR" altLang="en-US" smtClean="0"/>
-              <a:t>2015-03-10</a:t>
+              <a:t>2015-06-14</a:t>
             </a:fld>
             <a:endParaRPr lang="ko-KR" altLang="en-US"/>
           </a:p>
@@ -2583,7 +2583,7 @@
           <a:p>
             <a:fld id="{CF529B0C-524C-4158-9841-F66F36120868}" type="datetimeFigureOut">
               <a:rPr lang="ko-KR" altLang="en-US" smtClean="0"/>
-              <a:t>2015-03-10</a:t>
+              <a:t>2015-06-14</a:t>
             </a:fld>
             <a:endParaRPr lang="ko-KR" altLang="en-US"/>
           </a:p>
@@ -3290,7 +3290,15 @@
             <a:pPr algn="ctr"/>
             <a:r>
               <a:rPr lang="ko-KR" altLang="en-US" dirty="0" smtClean="0"/>
-              <a:t>플레이어가 임의의 지역에 입장</a:t>
+              <a:t>플레이어가 </a:t>
+            </a:r>
+            <a:r>
+              <a:rPr lang="ko-KR" altLang="en-US" dirty="0" err="1" smtClean="0"/>
+              <a:t>던전</a:t>
+            </a:r>
+            <a:r>
+              <a:rPr lang="ko-KR" altLang="en-US" dirty="0" smtClean="0"/>
+              <a:t> 입장</a:t>
             </a:r>
             <a:endParaRPr lang="en-US" altLang="ko-KR" dirty="0"/>
           </a:p>
@@ -3304,7 +3312,7 @@
         </p:nvSpPr>
         <p:spPr>
           <a:xfrm>
-            <a:off x="6252478" y="941025"/>
+            <a:off x="5049794" y="791264"/>
             <a:ext cx="3025262" cy="873096"/>
           </a:xfrm>
           <a:prstGeom prst="rect">
@@ -3331,8 +3339,12 @@
           <a:p>
             <a:pPr algn="ctr"/>
             <a:r>
+              <a:rPr lang="ko-KR" altLang="en-US" dirty="0" err="1" smtClean="0"/>
+              <a:t>던전</a:t>
+            </a:r>
+            <a:r>
               <a:rPr lang="ko-KR" altLang="en-US" dirty="0" smtClean="0"/>
-              <a:t>보물의 방에 입장</a:t>
+              <a:t> 탐험</a:t>
             </a:r>
             <a:endParaRPr lang="en-US" altLang="ko-KR" dirty="0"/>
           </a:p>
@@ -3346,7 +3358,7 @@
         </p:nvSpPr>
         <p:spPr>
           <a:xfrm>
-            <a:off x="4501433" y="2358406"/>
+            <a:off x="6252478" y="3530953"/>
             <a:ext cx="3025262" cy="873096"/>
           </a:xfrm>
           <a:prstGeom prst="rect">
@@ -3433,8 +3445,8 @@
         </p:nvCxnSpPr>
         <p:spPr>
           <a:xfrm flipV="1">
-            <a:off x="3508311" y="1377573"/>
-            <a:ext cx="2744167" cy="42671"/>
+            <a:off x="3508311" y="1227812"/>
+            <a:ext cx="1541483" cy="192432"/>
           </a:xfrm>
           <a:prstGeom prst="straightConnector1">
             <a:avLst/>
@@ -3462,15 +3474,15 @@
         <p:nvCxnSpPr>
           <p:cNvPr id="17" name="직선 화살표 연결선 16"/>
           <p:cNvCxnSpPr>
-            <a:stCxn id="14" idx="2"/>
-            <a:endCxn id="24" idx="1"/>
+            <a:stCxn id="20" idx="2"/>
+            <a:endCxn id="24" idx="0"/>
           </p:cNvCxnSpPr>
           <p:nvPr/>
         </p:nvCxnSpPr>
         <p:spPr>
           <a:xfrm>
-            <a:off x="1995680" y="1856792"/>
-            <a:ext cx="2505753" cy="938162"/>
+            <a:off x="6327647" y="2699001"/>
+            <a:ext cx="1437462" cy="831952"/>
           </a:xfrm>
           <a:prstGeom prst="straightConnector1">
             <a:avLst/>
@@ -3498,15 +3510,15 @@
         <p:nvCxnSpPr>
           <p:cNvPr id="19" name="직선 화살표 연결선 18"/>
           <p:cNvCxnSpPr>
-            <a:stCxn id="14" idx="2"/>
+            <a:stCxn id="20" idx="2"/>
             <a:endCxn id="25" idx="0"/>
           </p:cNvCxnSpPr>
           <p:nvPr/>
         </p:nvCxnSpPr>
         <p:spPr>
-          <a:xfrm>
-            <a:off x="1995680" y="1856792"/>
-            <a:ext cx="394997" cy="1674161"/>
+          <a:xfrm flipH="1">
+            <a:off x="2390677" y="2699001"/>
+            <a:ext cx="3936970" cy="831952"/>
           </a:xfrm>
           <a:prstGeom prst="straightConnector1">
             <a:avLst/>
@@ -3590,6 +3602,88 @@
             <a:avLst>
               <a:gd name="adj1" fmla="val 184482"/>
             </a:avLst>
+          </a:prstGeom>
+          <a:ln>
+            <a:tailEnd type="triangle"/>
+          </a:ln>
+        </p:spPr>
+        <p:style>
+          <a:lnRef idx="1">
+            <a:schemeClr val="accent1"/>
+          </a:lnRef>
+          <a:fillRef idx="0">
+            <a:schemeClr val="accent1"/>
+          </a:fillRef>
+          <a:effectRef idx="0">
+            <a:schemeClr val="accent1"/>
+          </a:effectRef>
+          <a:fontRef idx="minor">
+            <a:schemeClr val="tx1"/>
+          </a:fontRef>
+        </p:style>
+      </p:cxnSp>
+      <p:sp>
+        <p:nvSpPr>
+          <p:cNvPr id="20" name="직사각형 19"/>
+          <p:cNvSpPr/>
+          <p:nvPr/>
+        </p:nvSpPr>
+        <p:spPr>
+          <a:xfrm>
+            <a:off x="4815016" y="1825905"/>
+            <a:ext cx="3025262" cy="873096"/>
+          </a:xfrm>
+          <a:prstGeom prst="rect">
+            <a:avLst/>
+          </a:prstGeom>
+        </p:spPr>
+        <p:style>
+          <a:lnRef idx="2">
+            <a:schemeClr val="accent2"/>
+          </a:lnRef>
+          <a:fillRef idx="1">
+            <a:schemeClr val="lt1"/>
+          </a:fillRef>
+          <a:effectRef idx="0">
+            <a:schemeClr val="accent2"/>
+          </a:effectRef>
+          <a:fontRef idx="minor">
+            <a:schemeClr val="dk1"/>
+          </a:fontRef>
+        </p:style>
+        <p:txBody>
+          <a:bodyPr rtlCol="0" anchor="ctr"/>
+          <a:lstStyle/>
+          <a:p>
+            <a:pPr algn="ctr"/>
+            <a:r>
+              <a:rPr lang="ko-KR" altLang="en-US" dirty="0" err="1" smtClean="0"/>
+              <a:t>보스방</a:t>
+            </a:r>
+            <a:r>
+              <a:rPr lang="ko-KR" altLang="en-US" dirty="0" smtClean="0"/>
+              <a:t> 입장</a:t>
+            </a:r>
+            <a:endParaRPr lang="en-US" altLang="ko-KR" dirty="0"/>
+          </a:p>
+        </p:txBody>
+      </p:sp>
+      <p:cxnSp>
+        <p:nvCxnSpPr>
+          <p:cNvPr id="27" name="직선 화살표 연결선 26"/>
+          <p:cNvCxnSpPr>
+            <a:stCxn id="22" idx="2"/>
+            <a:endCxn id="20" idx="0"/>
+          </p:cNvCxnSpPr>
+          <p:nvPr/>
+        </p:nvCxnSpPr>
+        <p:spPr>
+          <a:xfrm flipH="1">
+            <a:off x="6327647" y="1664360"/>
+            <a:ext cx="234778" cy="161545"/>
+          </a:xfrm>
+          <a:prstGeom prst="straightConnector1">
+            <a:avLst/>
           </a:prstGeom>
           <a:ln>
             <a:tailEnd type="triangle"/>
@@ -19049,7 +19143,7 @@
         </p:nvSpPr>
         <p:spPr>
           <a:xfrm>
-            <a:off x="6686012" y="3187317"/>
+            <a:off x="6908247" y="3187317"/>
             <a:ext cx="3025262" cy="873096"/>
           </a:xfrm>
           <a:prstGeom prst="rect">
@@ -19133,7 +19227,7 @@
         <p:spPr>
           <a:xfrm>
             <a:off x="1995680" y="1856792"/>
-            <a:ext cx="6202963" cy="1330525"/>
+            <a:ext cx="6425198" cy="1330525"/>
           </a:xfrm>
           <a:prstGeom prst="straightConnector1">
             <a:avLst/>
@@ -19204,11 +19298,11 @@
               <a:t>(</a:t>
             </a:r>
             <a:r>
-              <a:rPr lang="ko-KR" altLang="en-US" smtClean="0"/>
+              <a:rPr lang="ko-KR" altLang="en-US" dirty="0" smtClean="0"/>
               <a:t>특수 화폐 사용</a:t>
             </a:r>
             <a:r>
-              <a:rPr lang="en-US" altLang="ko-KR" smtClean="0"/>
+              <a:rPr lang="en-US" altLang="ko-KR" dirty="0" smtClean="0"/>
               <a:t>)</a:t>
             </a:r>
             <a:endParaRPr lang="en-US" altLang="ko-KR" dirty="0"/>
@@ -19290,11 +19384,11 @@
               <a:t>용병 등급 강화 </a:t>
             </a:r>
             <a:r>
-              <a:rPr lang="en-US" altLang="ko-KR" smtClean="0"/>
+              <a:rPr lang="en-US" altLang="ko-KR" dirty="0" smtClean="0"/>
               <a:t>+ </a:t>
             </a:r>
             <a:r>
-              <a:rPr lang="ko-KR" altLang="en-US" smtClean="0"/>
+              <a:rPr lang="ko-KR" altLang="en-US" dirty="0" smtClean="0"/>
               <a:t>고용 칸수 증가</a:t>
             </a:r>
             <a:endParaRPr lang="en-US" altLang="ko-KR" dirty="0" smtClean="0"/>
@@ -19306,7 +19400,7 @@
               <a:t>(</a:t>
             </a:r>
             <a:r>
-              <a:rPr lang="ko-KR" altLang="en-US" smtClean="0"/>
+              <a:rPr lang="ko-KR" altLang="en-US" dirty="0" smtClean="0"/>
               <a:t>특수 화폐 사용</a:t>
             </a:r>
             <a:r>
@@ -19472,7 +19566,23 @@
                   <a:srgbClr val="ED7D31"/>
                 </a:solidFill>
               </a:rPr>
-              <a:t>-</a:t>
+              <a:t>– (</a:t>
+            </a:r>
+            <a:r>
+              <a:rPr lang="ko-KR" altLang="en-US" sz="3200" b="1" dirty="0" smtClean="0">
+                <a:solidFill>
+                  <a:srgbClr val="ED7D31"/>
+                </a:solidFill>
+              </a:rPr>
+              <a:t>보류</a:t>
+            </a:r>
+            <a:r>
+              <a:rPr lang="en-US" altLang="ko-KR" sz="3200" b="1" dirty="0" smtClean="0">
+                <a:solidFill>
+                  <a:srgbClr val="ED7D31"/>
+                </a:solidFill>
+              </a:rPr>
+              <a:t>)</a:t>
             </a:r>
             <a:endParaRPr lang="ko-KR" altLang="en-US" sz="3200" b="1" dirty="0">
               <a:solidFill>
@@ -20354,11 +20464,7 @@
             </a:r>
             <a:r>
               <a:rPr lang="ko-KR" altLang="en-US" sz="1600" dirty="0" smtClean="0"/>
-              <a:t>모험의 </a:t>
-            </a:r>
-            <a:r>
-              <a:rPr lang="ko-KR" altLang="en-US" sz="1600" dirty="0" smtClean="0"/>
-              <a:t>흐름</a:t>
+              <a:t>모험의 흐름</a:t>
             </a:r>
             <a:endParaRPr lang="en-US" altLang="ko-KR" sz="1600" dirty="0" smtClean="0"/>
           </a:p>
@@ -20380,11 +20486,7 @@
           <a:p>
             <a:r>
               <a:rPr lang="en-US" altLang="ko-KR" sz="1600" dirty="0" smtClean="0"/>
-              <a:t>     </a:t>
-            </a:r>
-            <a:r>
-              <a:rPr lang="en-US" altLang="ko-KR" sz="1600" dirty="0" smtClean="0"/>
-              <a:t>3.4 </a:t>
+              <a:t>     3.4 </a:t>
             </a:r>
             <a:r>
               <a:rPr lang="ko-KR" altLang="en-US" sz="1600" dirty="0" smtClean="0"/>
@@ -20513,7 +20615,23 @@
                   <a:srgbClr val="ED7D31"/>
                 </a:solidFill>
               </a:rPr>
-              <a:t>-</a:t>
+              <a:t>– (</a:t>
+            </a:r>
+            <a:r>
+              <a:rPr lang="ko-KR" altLang="en-US" sz="3200" b="1" dirty="0" smtClean="0">
+                <a:solidFill>
+                  <a:srgbClr val="ED7D31"/>
+                </a:solidFill>
+              </a:rPr>
+              <a:t>보류</a:t>
+            </a:r>
+            <a:r>
+              <a:rPr lang="en-US" altLang="ko-KR" sz="3200" b="1" dirty="0" smtClean="0">
+                <a:solidFill>
+                  <a:srgbClr val="ED7D31"/>
+                </a:solidFill>
+              </a:rPr>
+              <a:t>)</a:t>
             </a:r>
             <a:endParaRPr lang="ko-KR" altLang="en-US" sz="3200" b="1" dirty="0">
               <a:solidFill>
@@ -21935,7 +22053,27 @@
             </a:r>
             <a:r>
               <a:rPr lang="ko-KR" altLang="en-US" dirty="0" smtClean="0"/>
-              <a:t> 용병이 고용됨</a:t>
+              <a:t> 용병이 </a:t>
+            </a:r>
+            <a:r>
+              <a:rPr lang="ko-KR" altLang="en-US" dirty="0" smtClean="0"/>
+              <a:t>고용됨</a:t>
+            </a:r>
+            <a:endParaRPr lang="en-US" altLang="ko-KR" dirty="0" smtClean="0"/>
+          </a:p>
+          <a:p>
+            <a:pPr algn="ctr"/>
+            <a:r>
+              <a:rPr lang="en-US" altLang="ko-KR" dirty="0" smtClean="0"/>
+              <a:t>(</a:t>
+            </a:r>
+            <a:r>
+              <a:rPr lang="ko-KR" altLang="en-US" dirty="0" smtClean="0"/>
+              <a:t>보류</a:t>
+            </a:r>
+            <a:r>
+              <a:rPr lang="en-US" altLang="ko-KR" dirty="0" smtClean="0"/>
+              <a:t>)</a:t>
             </a:r>
             <a:endParaRPr lang="ko-KR" altLang="en-US" dirty="0"/>
           </a:p>
@@ -22138,7 +22276,7 @@
           <a:p>
             <a:pPr algn="ctr"/>
             <a:r>
-              <a:rPr lang="ko-KR" altLang="en-US" smtClean="0"/>
+              <a:rPr lang="ko-KR" altLang="en-US" dirty="0" smtClean="0"/>
               <a:t>마을로 이동</a:t>
             </a:r>
             <a:endParaRPr lang="ko-KR" altLang="en-US" dirty="0"/>
@@ -22657,7 +22795,23 @@
                   <a:srgbClr val="ED7D31"/>
                 </a:solidFill>
               </a:rPr>
-              <a:t>-</a:t>
+              <a:t>-  (</a:t>
+            </a:r>
+            <a:r>
+              <a:rPr lang="ko-KR" altLang="en-US" sz="3200" b="1" dirty="0" smtClean="0">
+                <a:solidFill>
+                  <a:srgbClr val="ED7D31"/>
+                </a:solidFill>
+              </a:rPr>
+              <a:t>보류</a:t>
+            </a:r>
+            <a:r>
+              <a:rPr lang="en-US" altLang="ko-KR" sz="3200" b="1" dirty="0" smtClean="0">
+                <a:solidFill>
+                  <a:srgbClr val="ED7D31"/>
+                </a:solidFill>
+              </a:rPr>
+              <a:t>?)</a:t>
             </a:r>
             <a:endParaRPr lang="ko-KR" altLang="en-US" sz="3200" b="1" dirty="0">
               <a:solidFill>
@@ -22868,7 +23022,27 @@
             </a:r>
             <a:r>
               <a:rPr lang="ko-KR" altLang="en-US" dirty="0" smtClean="0"/>
-              <a:t> 용병이 고용됨</a:t>
+              <a:t> 용병이 </a:t>
+            </a:r>
+            <a:r>
+              <a:rPr lang="ko-KR" altLang="en-US" dirty="0" smtClean="0"/>
+              <a:t>고용됨</a:t>
+            </a:r>
+            <a:endParaRPr lang="en-US" altLang="ko-KR" dirty="0" smtClean="0"/>
+          </a:p>
+          <a:p>
+            <a:pPr algn="ctr"/>
+            <a:r>
+              <a:rPr lang="en-US" altLang="ko-KR" dirty="0" smtClean="0"/>
+              <a:t>(</a:t>
+            </a:r>
+            <a:r>
+              <a:rPr lang="ko-KR" altLang="en-US" dirty="0" smtClean="0"/>
+              <a:t>보류</a:t>
+            </a:r>
+            <a:r>
+              <a:rPr lang="en-US" altLang="ko-KR" dirty="0" smtClean="0"/>
+              <a:t>)</a:t>
             </a:r>
             <a:endParaRPr lang="ko-KR" altLang="en-US" dirty="0"/>
           </a:p>
